--- a/clases/Cap04_Sistemas_Lineales/presentations/IMG04_Fourier2D_ConvolucionDiscreta.pptx
+++ b/clases/Cap04_Sistemas_Lineales/presentations/IMG04_Fourier2D_ConvolucionDiscreta.pptx
@@ -223,7 +223,7 @@
           <a:p>
             <a:fld id="{8BED29BA-8ABD-3E4B-9A54-1EDC0B78D03A}" type="datetimeFigureOut">
               <a:rPr lang="en-US" smtClean="0"/>
-              <a:t>7/26/19</a:t>
+              <a:t>9/12/19</a:t>
             </a:fld>
             <a:endParaRPr lang="en-US"/>
           </a:p>
@@ -765,7 +765,7 @@
             <a:fld id="{BE8FCED3-DE04-4AA4-A0E7-57724651F4FF}" type="datetimeFigureOut">
               <a:rPr lang="en-US" smtClean="0"/>
               <a:pPr/>
-              <a:t>7/26/19</a:t>
+              <a:t>9/12/19</a:t>
             </a:fld>
             <a:endParaRPr lang="en-US"/>
           </a:p>
@@ -932,7 +932,7 @@
             <a:fld id="{BE8FCED3-DE04-4AA4-A0E7-57724651F4FF}" type="datetimeFigureOut">
               <a:rPr lang="en-US" smtClean="0"/>
               <a:pPr/>
-              <a:t>7/26/19</a:t>
+              <a:t>9/12/19</a:t>
             </a:fld>
             <a:endParaRPr lang="en-US"/>
           </a:p>
@@ -1109,7 +1109,7 @@
             <a:fld id="{BE8FCED3-DE04-4AA4-A0E7-57724651F4FF}" type="datetimeFigureOut">
               <a:rPr lang="en-US" smtClean="0"/>
               <a:pPr/>
-              <a:t>7/26/19</a:t>
+              <a:t>9/12/19</a:t>
             </a:fld>
             <a:endParaRPr lang="en-US"/>
           </a:p>
@@ -1276,7 +1276,7 @@
             <a:fld id="{BE8FCED3-DE04-4AA4-A0E7-57724651F4FF}" type="datetimeFigureOut">
               <a:rPr lang="en-US" smtClean="0"/>
               <a:pPr/>
-              <a:t>7/26/19</a:t>
+              <a:t>9/12/19</a:t>
             </a:fld>
             <a:endParaRPr lang="en-US"/>
           </a:p>
@@ -1519,7 +1519,7 @@
             <a:fld id="{BE8FCED3-DE04-4AA4-A0E7-57724651F4FF}" type="datetimeFigureOut">
               <a:rPr lang="en-US" smtClean="0"/>
               <a:pPr/>
-              <a:t>7/26/19</a:t>
+              <a:t>9/12/19</a:t>
             </a:fld>
             <a:endParaRPr lang="en-US"/>
           </a:p>
@@ -1804,7 +1804,7 @@
             <a:fld id="{BE8FCED3-DE04-4AA4-A0E7-57724651F4FF}" type="datetimeFigureOut">
               <a:rPr lang="en-US" smtClean="0"/>
               <a:pPr/>
-              <a:t>7/26/19</a:t>
+              <a:t>9/12/19</a:t>
             </a:fld>
             <a:endParaRPr lang="en-US"/>
           </a:p>
@@ -2223,7 +2223,7 @@
             <a:fld id="{BE8FCED3-DE04-4AA4-A0E7-57724651F4FF}" type="datetimeFigureOut">
               <a:rPr lang="en-US" smtClean="0"/>
               <a:pPr/>
-              <a:t>7/26/19</a:t>
+              <a:t>9/12/19</a:t>
             </a:fld>
             <a:endParaRPr lang="en-US"/>
           </a:p>
@@ -2338,7 +2338,7 @@
             <a:fld id="{BE8FCED3-DE04-4AA4-A0E7-57724651F4FF}" type="datetimeFigureOut">
               <a:rPr lang="en-US" smtClean="0"/>
               <a:pPr/>
-              <a:t>7/26/19</a:t>
+              <a:t>9/12/19</a:t>
             </a:fld>
             <a:endParaRPr lang="en-US"/>
           </a:p>
@@ -2430,7 +2430,7 @@
             <a:fld id="{BE8FCED3-DE04-4AA4-A0E7-57724651F4FF}" type="datetimeFigureOut">
               <a:rPr lang="en-US" smtClean="0"/>
               <a:pPr/>
-              <a:t>7/26/19</a:t>
+              <a:t>9/12/19</a:t>
             </a:fld>
             <a:endParaRPr lang="en-US"/>
           </a:p>
@@ -2704,7 +2704,7 @@
             <a:fld id="{BE8FCED3-DE04-4AA4-A0E7-57724651F4FF}" type="datetimeFigureOut">
               <a:rPr lang="en-US" smtClean="0"/>
               <a:pPr/>
-              <a:t>7/26/19</a:t>
+              <a:t>9/12/19</a:t>
             </a:fld>
             <a:endParaRPr lang="en-US"/>
           </a:p>
@@ -2954,7 +2954,7 @@
             <a:fld id="{BE8FCED3-DE04-4AA4-A0E7-57724651F4FF}" type="datetimeFigureOut">
               <a:rPr lang="en-US" smtClean="0"/>
               <a:pPr/>
-              <a:t>7/26/19</a:t>
+              <a:t>9/12/19</a:t>
             </a:fld>
             <a:endParaRPr lang="en-US"/>
           </a:p>
@@ -3164,7 +3164,7 @@
             <a:fld id="{BE8FCED3-DE04-4AA4-A0E7-57724651F4FF}" type="datetimeFigureOut">
               <a:rPr lang="en-US" smtClean="0"/>
               <a:pPr/>
-              <a:t>7/26/19</a:t>
+              <a:t>9/12/19</a:t>
             </a:fld>
             <a:endParaRPr lang="en-US"/>
           </a:p>
@@ -5115,6 +5115,36 @@
           </a:p>
         </p:txBody>
       </p:sp>
+      <p:pic>
+        <p:nvPicPr>
+          <p:cNvPr id="5" name="Picture 4">
+            <a:extLst>
+              <a:ext uri="{FF2B5EF4-FFF2-40B4-BE49-F238E27FC236}">
+                <a16:creationId xmlns:a16="http://schemas.microsoft.com/office/drawing/2014/main" id="{4AAFB5E2-582F-A44C-94F4-96BB747D37AF}"/>
+              </a:ext>
+            </a:extLst>
+          </p:cNvPr>
+          <p:cNvPicPr>
+            <a:picLocks noChangeAspect="1"/>
+          </p:cNvPicPr>
+          <p:nvPr/>
+        </p:nvPicPr>
+        <p:blipFill>
+          <a:blip r:embed="rId3"/>
+          <a:stretch>
+            <a:fillRect/>
+          </a:stretch>
+        </p:blipFill>
+        <p:spPr>
+          <a:xfrm>
+            <a:off x="2537557" y="1178805"/>
+            <a:ext cx="4083580" cy="4073903"/>
+          </a:xfrm>
+          <a:prstGeom prst="rect">
+            <a:avLst/>
+          </a:prstGeom>
+        </p:spPr>
+      </p:pic>
     </p:spTree>
   </p:cSld>
   <p:clrMapOvr>
